--- a/learn-git-from-inside-out.pptx
+++ b/learn-git-from-inside-out.pptx
@@ -237,7 +237,7 @@
           <a:p>
             <a:fld id="{D7D09D57-666D-4F55-8998-C3D60D8CFDDD}" type="datetimeFigureOut">
               <a:rPr lang="en-US" smtClean="0"/>
-              <a:t>8/31/2015</a:t>
+              <a:t>9/1/2015</a:t>
             </a:fld>
             <a:endParaRPr lang="en-US"/>
           </a:p>
@@ -463,7 +463,7 @@
           <a:p>
             <a:fld id="{D7D09D57-666D-4F55-8998-C3D60D8CFDDD}" type="datetimeFigureOut">
               <a:rPr lang="en-US" smtClean="0"/>
-              <a:t>8/31/2015</a:t>
+              <a:t>9/1/2015</a:t>
             </a:fld>
             <a:endParaRPr lang="en-US"/>
           </a:p>
@@ -638,7 +638,7 @@
           <a:p>
             <a:fld id="{D7D09D57-666D-4F55-8998-C3D60D8CFDDD}" type="datetimeFigureOut">
               <a:rPr lang="en-US" smtClean="0"/>
-              <a:t>8/31/2015</a:t>
+              <a:t>9/1/2015</a:t>
             </a:fld>
             <a:endParaRPr lang="en-US"/>
           </a:p>
@@ -803,7 +803,7 @@
           <a:p>
             <a:fld id="{D7D09D57-666D-4F55-8998-C3D60D8CFDDD}" type="datetimeFigureOut">
               <a:rPr lang="en-US" smtClean="0"/>
-              <a:t>8/31/2015</a:t>
+              <a:t>9/1/2015</a:t>
             </a:fld>
             <a:endParaRPr lang="en-US"/>
           </a:p>
@@ -1047,7 +1047,7 @@
           <a:p>
             <a:fld id="{D7D09D57-666D-4F55-8998-C3D60D8CFDDD}" type="datetimeFigureOut">
               <a:rPr lang="en-US" smtClean="0"/>
-              <a:t>8/31/2015</a:t>
+              <a:t>9/1/2015</a:t>
             </a:fld>
             <a:endParaRPr lang="en-US"/>
           </a:p>
@@ -1311,7 +1311,7 @@
           <a:p>
             <a:fld id="{D7D09D57-666D-4F55-8998-C3D60D8CFDDD}" type="datetimeFigureOut">
               <a:rPr lang="en-US" smtClean="0"/>
-              <a:t>8/31/2015</a:t>
+              <a:t>9/1/2015</a:t>
             </a:fld>
             <a:endParaRPr lang="en-US"/>
           </a:p>
@@ -1685,7 +1685,7 @@
           <a:p>
             <a:fld id="{D7D09D57-666D-4F55-8998-C3D60D8CFDDD}" type="datetimeFigureOut">
               <a:rPr lang="en-US" smtClean="0"/>
-              <a:t>8/31/2015</a:t>
+              <a:t>9/1/2015</a:t>
             </a:fld>
             <a:endParaRPr lang="en-US"/>
           </a:p>
@@ -1798,7 +1798,7 @@
           <a:p>
             <a:fld id="{D7D09D57-666D-4F55-8998-C3D60D8CFDDD}" type="datetimeFigureOut">
               <a:rPr lang="en-US" smtClean="0"/>
-              <a:t>8/31/2015</a:t>
+              <a:t>9/1/2015</a:t>
             </a:fld>
             <a:endParaRPr lang="en-US"/>
           </a:p>
@@ -1888,7 +1888,7 @@
           <a:p>
             <a:fld id="{D7D09D57-666D-4F55-8998-C3D60D8CFDDD}" type="datetimeFigureOut">
               <a:rPr lang="en-US" smtClean="0"/>
-              <a:t>8/31/2015</a:t>
+              <a:t>9/1/2015</a:t>
             </a:fld>
             <a:endParaRPr lang="en-US"/>
           </a:p>
@@ -2146,7 +2146,7 @@
           <a:p>
             <a:fld id="{D7D09D57-666D-4F55-8998-C3D60D8CFDDD}" type="datetimeFigureOut">
               <a:rPr lang="en-US" smtClean="0"/>
-              <a:t>8/31/2015</a:t>
+              <a:t>9/1/2015</a:t>
             </a:fld>
             <a:endParaRPr lang="en-US"/>
           </a:p>
@@ -2410,7 +2410,7 @@
           <a:p>
             <a:fld id="{D7D09D57-666D-4F55-8998-C3D60D8CFDDD}" type="datetimeFigureOut">
               <a:rPr lang="en-US" smtClean="0"/>
-              <a:t>8/31/2015</a:t>
+              <a:t>9/1/2015</a:t>
             </a:fld>
             <a:endParaRPr lang="en-US"/>
           </a:p>
@@ -2627,7 +2627,7 @@
           <a:p>
             <a:fld id="{D7D09D57-666D-4F55-8998-C3D60D8CFDDD}" type="datetimeFigureOut">
               <a:rPr lang="en-US" smtClean="0"/>
-              <a:t>8/31/2015</a:t>
+              <a:t>9/1/2015</a:t>
             </a:fld>
             <a:endParaRPr lang="en-US"/>
           </a:p>
@@ -3691,7 +3691,7 @@
           <a:p>
             <a:r>
               <a:rPr lang="en-US" dirty="0" smtClean="0"/>
-              <a:t>Merge Commit</a:t>
+              <a:t>Three-Way Merge</a:t>
             </a:r>
             <a:endParaRPr lang="en-US" dirty="0"/>
           </a:p>
@@ -5099,10 +5099,6 @@
               <a:rPr lang="en-US" dirty="0" smtClean="0"/>
               <a:t>Resources</a:t>
             </a:r>
-            <a:r>
-              <a:rPr lang="en-US" dirty="0" smtClean="0"/>
-              <a:t/>
-            </a:r>
             <a:br>
               <a:rPr lang="en-US" dirty="0" smtClean="0"/>
             </a:br>
@@ -5161,11 +5157,7 @@
             </a:r>
             <a:r>
               <a:rPr lang="en-US" b="1" dirty="0" smtClean="0"/>
-              <a:t> </a:t>
-            </a:r>
-            <a:r>
-              <a:rPr lang="en-US" b="1" dirty="0" smtClean="0"/>
-              <a:t>by </a:t>
+              <a:t> by </a:t>
             </a:r>
             <a:r>
               <a:rPr lang="en-US" b="1" dirty="0"/>
@@ -5519,11 +5511,7 @@
           <a:p>
             <a:r>
               <a:rPr lang="en-US" dirty="0" smtClean="0"/>
-              <a:t>Three state of files: committed, modified, </a:t>
-            </a:r>
-            <a:r>
-              <a:rPr lang="en-US" dirty="0" smtClean="0"/>
-              <a:t>staged</a:t>
+              <a:t>Three state of files: committed, modified, staged</a:t>
             </a:r>
           </a:p>
           <a:p>

--- a/learn-git-from-inside-out.pptx
+++ b/learn-git-from-inside-out.pptx
@@ -3108,21 +3108,41 @@
         <p:spPr>
           <a:xfrm>
             <a:off x="685800" y="3331698"/>
-            <a:ext cx="7772400" cy="1752600"/>
+            <a:ext cx="7772400" cy="2535702"/>
           </a:xfrm>
         </p:spPr>
         <p:txBody>
-          <a:bodyPr/>
+          <a:bodyPr>
+            <a:normAutofit fontScale="92500" lnSpcReduction="10000"/>
+          </a:bodyPr>
           <a:lstStyle/>
           <a:p>
             <a:endParaRPr lang="en-US" dirty="0" smtClean="0"/>
           </a:p>
           <a:p>
             <a:r>
-              <a:rPr lang="en-US" dirty="0" smtClean="0"/>
+              <a:rPr lang="en-US" sz="3000" b="1" dirty="0" smtClean="0">
+                <a:hlinkClick r:id="rId2"/>
+              </a:rPr>
               <a:t>http://github.com/henryxiang/learn-git</a:t>
             </a:r>
+            <a:endParaRPr lang="en-US" sz="3000" b="1" dirty="0" smtClean="0"/>
+          </a:p>
+          <a:p>
             <a:endParaRPr lang="en-US" dirty="0"/>
+          </a:p>
+          <a:p>
+            <a:endParaRPr lang="en-US" dirty="0" smtClean="0"/>
+          </a:p>
+          <a:p>
+            <a:endParaRPr lang="en-US" dirty="0"/>
+          </a:p>
+          <a:p>
+            <a:r>
+              <a:rPr lang="en-US" sz="1900" dirty="0" smtClean="0"/>
+              <a:t>Sept 1, 2015</a:t>
+            </a:r>
+            <a:endParaRPr lang="en-US" sz="1900" dirty="0"/>
           </a:p>
         </p:txBody>
       </p:sp>
@@ -5127,22 +5147,26 @@
             </a:r>
             <a:r>
               <a:rPr lang="en-US" b="1" dirty="0" smtClean="0"/>
-              <a:t> Help (</a:t>
-            </a:r>
-            <a:r>
-              <a:rPr lang="en-US" b="1" dirty="0" err="1" smtClean="0"/>
+              <a:t> Help </a:t>
+            </a:r>
+            <a:r>
+              <a:rPr lang="en-US" sz="2000" b="1" i="1" dirty="0" smtClean="0"/>
+              <a:t>(</a:t>
+            </a:r>
+            <a:r>
+              <a:rPr lang="en-US" sz="2000" b="1" i="1" dirty="0" err="1" smtClean="0"/>
               <a:t>git</a:t>
             </a:r>
             <a:r>
-              <a:rPr lang="en-US" b="1" dirty="0" smtClean="0"/>
+              <a:rPr lang="en-US" sz="2000" b="1" i="1" dirty="0" smtClean="0"/>
               <a:t> help –g, </a:t>
             </a:r>
             <a:r>
-              <a:rPr lang="en-US" b="1" dirty="0" err="1" smtClean="0"/>
+              <a:rPr lang="en-US" sz="2000" b="1" i="1" dirty="0" err="1" smtClean="0"/>
               <a:t>git</a:t>
             </a:r>
             <a:r>
-              <a:rPr lang="en-US" b="1" dirty="0" smtClean="0"/>
+              <a:rPr lang="en-US" sz="2000" b="1" i="1" dirty="0" smtClean="0"/>
               <a:t> help –w &lt;topic&gt;)</a:t>
             </a:r>
           </a:p>
@@ -5157,11 +5181,19 @@
             </a:r>
             <a:r>
               <a:rPr lang="en-US" b="1" dirty="0" smtClean="0"/>
-              <a:t> by </a:t>
+              <a:t> </a:t>
+            </a:r>
+            <a:r>
+              <a:rPr lang="en-US" sz="2000" b="1" dirty="0" smtClean="0"/>
+              <a:t>by </a:t>
+            </a:r>
+            <a:r>
+              <a:rPr lang="en-US" sz="2000" b="1" dirty="0"/>
+              <a:t>Scott Chacon and Ben Straub</a:t>
             </a:r>
             <a:r>
               <a:rPr lang="en-US" b="1" dirty="0"/>
-              <a:t>Scott Chacon and Ben Straub </a:t>
+              <a:t> </a:t>
             </a:r>
             <a:endParaRPr lang="en-US" b="1" dirty="0" smtClean="0"/>
           </a:p>
@@ -5170,6 +5202,10 @@
               <a:rPr lang="en-US" b="1" dirty="0" err="1" smtClean="0"/>
               <a:t>Github</a:t>
             </a:r>
+            <a:r>
+              <a:rPr lang="en-US" b="1" dirty="0" smtClean="0"/>
+              <a:t> Education</a:t>
+            </a:r>
             <a:endParaRPr lang="en-US" b="1" dirty="0" smtClean="0"/>
           </a:p>
           <a:p>
@@ -5193,8 +5229,39 @@
           <a:p>
             <a:r>
               <a:rPr lang="en-US" b="1" dirty="0" smtClean="0"/>
-              <a:t>YouTube</a:t>
-            </a:r>
+              <a:t>YouTube </a:t>
+            </a:r>
+            <a:r>
+              <a:rPr lang="en-US" sz="2000" b="1" i="1" dirty="0" smtClean="0"/>
+              <a:t>(search for </a:t>
+            </a:r>
+            <a:r>
+              <a:rPr lang="en-US" sz="2000" b="1" i="1" dirty="0" err="1" smtClean="0"/>
+              <a:t>git</a:t>
+            </a:r>
+            <a:r>
+              <a:rPr lang="en-US" sz="2000" b="1" i="1" dirty="0" smtClean="0"/>
+              <a:t>)</a:t>
+            </a:r>
+          </a:p>
+          <a:p>
+            <a:r>
+              <a:rPr lang="en-US" b="1" dirty="0" smtClean="0"/>
+              <a:t>Slideshare.net </a:t>
+            </a:r>
+            <a:r>
+              <a:rPr lang="en-US" sz="2000" b="1" i="1" dirty="0" smtClean="0"/>
+              <a:t>(search for </a:t>
+            </a:r>
+            <a:r>
+              <a:rPr lang="en-US" sz="2000" b="1" i="1" dirty="0" err="1" smtClean="0"/>
+              <a:t>git</a:t>
+            </a:r>
+            <a:r>
+              <a:rPr lang="en-US" sz="2000" b="1" i="1" dirty="0" smtClean="0"/>
+              <a:t>)</a:t>
+            </a:r>
+            <a:endParaRPr lang="en-US" sz="2000" b="1" i="1" dirty="0" smtClean="0"/>
           </a:p>
           <a:p>
             <a:endParaRPr lang="en-US" dirty="0"/>
